--- a/weekly_team_presentation/week7.pptx
+++ b/weekly_team_presentation/week7.pptx
@@ -6613,7 +6613,25 @@
               <a:buChar char="●"/>
             </a:pPr>
             <a:r>
-              <a:t/>
+              <a:rPr lang="en"/>
+              <a:t>Moving forward, we will stick to a similar theme for our UI</a:t>
+            </a:r>
+            <a:endParaRPr/>
+          </a:p>
+          <a:p>
+            <a:pPr indent="-342900" lvl="0" marL="457200" rtl="0" algn="l">
+              <a:spcBef>
+                <a:spcPts val="0"/>
+              </a:spcBef>
+              <a:spcAft>
+                <a:spcPts val="0"/>
+              </a:spcAft>
+              <a:buSzPts val="1800"/>
+              <a:buChar char="●"/>
+            </a:pPr>
+            <a:r>
+              <a:rPr lang="en"/>
+              <a:t>Goal will be to maintain a cohesive look across the website</a:t>
             </a:r>
             <a:endParaRPr/>
           </a:p>
@@ -7654,7 +7672,25 @@
               <a:buChar char="●"/>
             </a:pPr>
             <a:r>
-              <a:t/>
+              <a:rPr lang="en"/>
+              <a:t>UI looks great </a:t>
+            </a:r>
+            <a:endParaRPr/>
+          </a:p>
+          <a:p>
+            <a:pPr indent="-342900" lvl="0" marL="457200" rtl="0" algn="l">
+              <a:spcBef>
+                <a:spcPts val="0"/>
+              </a:spcBef>
+              <a:spcAft>
+                <a:spcPts val="0"/>
+              </a:spcAft>
+              <a:buSzPts val="1800"/>
+              <a:buChar char="●"/>
+            </a:pPr>
+            <a:r>
+              <a:rPr lang="en"/>
+              <a:t>Testing plan is straightforward </a:t>
             </a:r>
             <a:endParaRPr/>
           </a:p>
